--- a/docs/slides/figure/make_figs.pptx
+++ b/docs/slides/figure/make_figs.pptx
@@ -465,6 +465,90 @@
 </file>
 
 <file path=ppt/notesSlides/notesSlide1.xml><?xml version="1.0" encoding="utf-8"?>
+<p:notes xmlns:a="http://schemas.openxmlformats.org/drawingml/2006/main" xmlns:r="http://schemas.openxmlformats.org/officeDocument/2006/relationships" xmlns:p="http://schemas.openxmlformats.org/presentationml/2006/main">
+  <p:cSld>
+    <p:spTree>
+      <p:nvGrpSpPr>
+        <p:cNvPr id="1" name=""/>
+        <p:cNvGrpSpPr/>
+        <p:nvPr/>
+      </p:nvGrpSpPr>
+      <p:grpSpPr>
+        <a:xfrm>
+          <a:off x="0" y="0"/>
+          <a:ext cx="0" cy="0"/>
+          <a:chOff x="0" y="0"/>
+          <a:chExt cx="0" cy="0"/>
+        </a:xfrm>
+      </p:grpSpPr>
+      <p:sp>
+        <p:nvSpPr>
+          <p:cNvPr id="2" name="Slide Image Placeholder 1"/>
+          <p:cNvSpPr>
+            <a:spLocks noGrp="1" noRot="1" noChangeAspect="1"/>
+          </p:cNvSpPr>
+          <p:nvPr>
+            <p:ph type="sldImg"/>
+          </p:nvPr>
+        </p:nvSpPr>
+        <p:spPr/>
+      </p:sp>
+      <p:sp>
+        <p:nvSpPr>
+          <p:cNvPr id="3" name="Notes Placeholder 2"/>
+          <p:cNvSpPr>
+            <a:spLocks noGrp="1"/>
+          </p:cNvSpPr>
+          <p:nvPr>
+            <p:ph type="body" idx="1"/>
+          </p:nvPr>
+        </p:nvSpPr>
+        <p:spPr/>
+        <p:txBody>
+          <a:bodyPr/>
+          <a:lstStyle/>
+          <a:p>
+            <a:endParaRPr lang="en-US" dirty="0"/>
+          </a:p>
+        </p:txBody>
+      </p:sp>
+      <p:sp>
+        <p:nvSpPr>
+          <p:cNvPr id="4" name="Slide Number Placeholder 3"/>
+          <p:cNvSpPr>
+            <a:spLocks noGrp="1"/>
+          </p:cNvSpPr>
+          <p:nvPr>
+            <p:ph type="sldNum" sz="quarter" idx="10"/>
+          </p:nvPr>
+        </p:nvSpPr>
+        <p:spPr/>
+        <p:txBody>
+          <a:bodyPr/>
+          <a:lstStyle/>
+          <a:p>
+            <a:fld id="{69F43514-956C-6F40-9D37-24480CC7F350}" type="slidenum">
+              <a:rPr lang="en-US" smtClean="0"/>
+              <a:t>2</a:t>
+            </a:fld>
+            <a:endParaRPr lang="en-US"/>
+          </a:p>
+        </p:txBody>
+      </p:sp>
+    </p:spTree>
+    <p:extLst>
+      <p:ext uri="{BB962C8B-B14F-4D97-AF65-F5344CB8AC3E}">
+        <p14:creationId xmlns:p14="http://schemas.microsoft.com/office/powerpoint/2010/main" val="2720880010"/>
+      </p:ext>
+    </p:extLst>
+  </p:cSld>
+  <p:clrMapOvr>
+    <a:masterClrMapping/>
+  </p:clrMapOvr>
+</p:notes>
+</file>
+
+<file path=ppt/notesSlides/notesSlide2.xml><?xml version="1.0" encoding="utf-8"?>
 <p:notes xmlns:a="http://schemas.openxmlformats.org/drawingml/2006/main" xmlns:r="http://schemas.openxmlformats.org/officeDocument/2006/relationships" xmlns:p="http://schemas.openxmlformats.org/presentationml/2006/main">
   <p:cSld>
     <p:spTree>
@@ -4050,7 +4134,7 @@
         </p:nvGrpSpPr>
         <p:grpSpPr>
           <a:xfrm>
-            <a:off x="7336879" y="2051053"/>
+            <a:off x="5183485" y="3475743"/>
             <a:ext cx="2472973" cy="2422986"/>
             <a:chOff x="5309905" y="2263611"/>
             <a:chExt cx="2472973" cy="2422986"/>
@@ -4660,7 +4744,7 @@
           <p:nvPr/>
         </p:nvPicPr>
         <p:blipFill>
-          <a:blip r:embed="rId2">
+          <a:blip r:embed="rId3">
             <a:extLst>
               <a:ext uri="{28A0092B-C50C-407E-A947-70E740481C1C}">
                 <a14:useLocalDpi xmlns:a14="http://schemas.microsoft.com/office/drawing/2010/main" val="0"/>
@@ -4673,7 +4757,7 @@
         </p:blipFill>
         <p:spPr>
           <a:xfrm>
-            <a:off x="-819459" y="2465708"/>
+            <a:off x="813080" y="482585"/>
             <a:ext cx="3680533" cy="2294558"/>
           </a:xfrm>
           <a:prstGeom prst="rect">
@@ -4689,7 +4773,7 @@
         </p:nvSpPr>
         <p:spPr>
           <a:xfrm>
-            <a:off x="-773826" y="2832672"/>
+            <a:off x="858713" y="849549"/>
             <a:ext cx="3591169" cy="1215293"/>
           </a:xfrm>
           <a:prstGeom prst="rect">
@@ -4734,7 +4818,7 @@
         </p:nvSpPr>
         <p:spPr>
           <a:xfrm>
-            <a:off x="-773826" y="4078822"/>
+            <a:off x="858713" y="2095699"/>
             <a:ext cx="3591169" cy="305205"/>
           </a:xfrm>
           <a:prstGeom prst="rect">
@@ -4779,7 +4863,7 @@
         </p:nvSpPr>
         <p:spPr>
           <a:xfrm>
-            <a:off x="-773826" y="4415752"/>
+            <a:off x="858713" y="2432629"/>
             <a:ext cx="3591169" cy="305205"/>
           </a:xfrm>
           <a:prstGeom prst="rect">
@@ -4824,7 +4908,7 @@
         </p:nvSpPr>
         <p:spPr>
           <a:xfrm>
-            <a:off x="4115610" y="3425646"/>
+            <a:off x="5748149" y="1442523"/>
             <a:ext cx="2093081" cy="369332"/>
           </a:xfrm>
           <a:prstGeom prst="rect">
@@ -4975,7 +5059,7 @@
         </p:nvSpPr>
         <p:spPr>
           <a:xfrm>
-            <a:off x="3786359" y="2234600"/>
+            <a:off x="5418898" y="251477"/>
             <a:ext cx="2681025" cy="2255249"/>
           </a:xfrm>
           <a:prstGeom prst="ellipse">
@@ -5020,7 +5104,7 @@
         </p:nvSpPr>
         <p:spPr>
           <a:xfrm>
-            <a:off x="4350791" y="2333245"/>
+            <a:off x="5983330" y="350122"/>
             <a:ext cx="1669760" cy="369332"/>
           </a:xfrm>
           <a:prstGeom prst="rect">
@@ -5056,7 +5140,7 @@
         </p:nvSpPr>
         <p:spPr>
           <a:xfrm rot="2526329">
-            <a:off x="9126894" y="1893261"/>
+            <a:off x="6973500" y="3317951"/>
             <a:ext cx="1265223" cy="1800442"/>
           </a:xfrm>
           <a:prstGeom prst="ellipse">
@@ -5101,7 +5185,7 @@
         </p:nvSpPr>
         <p:spPr>
           <a:xfrm>
-            <a:off x="9809852" y="2114045"/>
+            <a:off x="7656458" y="3538735"/>
             <a:ext cx="775016" cy="369332"/>
           </a:xfrm>
           <a:prstGeom prst="rect">
@@ -5140,7 +5224,7 @@
         </p:nvCxnSpPr>
         <p:spPr>
           <a:xfrm flipV="1">
-            <a:off x="2861074" y="3610312"/>
+            <a:off x="4493613" y="1627189"/>
             <a:ext cx="1254536" cy="2675"/>
           </a:xfrm>
           <a:prstGeom prst="straightConnector1">
@@ -5174,15 +5258,15 @@
         <p:nvCxnSpPr>
           <p:cNvPr id="68" name="Straight Arrow Connector 67"/>
           <p:cNvCxnSpPr>
-            <a:stCxn id="61" idx="3"/>
-            <a:endCxn id="13" idx="2"/>
+            <a:stCxn id="61" idx="2"/>
+            <a:endCxn id="12" idx="0"/>
           </p:cNvCxnSpPr>
           <p:nvPr/>
         </p:nvCxnSpPr>
         <p:spPr>
           <a:xfrm>
-            <a:off x="6208691" y="3610312"/>
-            <a:ext cx="1497520" cy="8763"/>
+            <a:off x="6794690" y="1811855"/>
+            <a:ext cx="6803" cy="1663888"/>
           </a:xfrm>
           <a:prstGeom prst="straightConnector1">
             <a:avLst/>
